--- a/results/Figure 2.pptx
+++ b/results/Figure 2.pptx
@@ -104,6 +104,11 @@
       </a:defRPr>
     </a:lvl9pPr>
   </p:defaultTextStyle>
+  <p:extLst>
+    <p:ext uri="{EFAFB233-063F-42B5-8137-9DF3F51BA10A}">
+      <p15:sldGuideLst xmlns:p15="http://schemas.microsoft.com/office/powerpoint/2012/main"/>
+    </p:ext>
+  </p:extLst>
 </p:presentation>
 </file>
 
@@ -238,7 +243,7 @@
           <a:p>
             <a:fld id="{A7ACC9FF-BB4D-3644-BD4D-0BCBEFEAF27D}" type="datetimeFigureOut">
               <a:rPr lang="en-US" smtClean="0"/>
-              <a:t>12/17/24</a:t>
+              <a:t>1/9/25</a:t>
             </a:fld>
             <a:endParaRPr lang="en-US"/>
           </a:p>
@@ -408,7 +413,7 @@
           <a:p>
             <a:fld id="{A7ACC9FF-BB4D-3644-BD4D-0BCBEFEAF27D}" type="datetimeFigureOut">
               <a:rPr lang="en-US" smtClean="0"/>
-              <a:t>12/17/24</a:t>
+              <a:t>1/9/25</a:t>
             </a:fld>
             <a:endParaRPr lang="en-US"/>
           </a:p>
@@ -588,7 +593,7 @@
           <a:p>
             <a:fld id="{A7ACC9FF-BB4D-3644-BD4D-0BCBEFEAF27D}" type="datetimeFigureOut">
               <a:rPr lang="en-US" smtClean="0"/>
-              <a:t>12/17/24</a:t>
+              <a:t>1/9/25</a:t>
             </a:fld>
             <a:endParaRPr lang="en-US"/>
           </a:p>
@@ -758,7 +763,7 @@
           <a:p>
             <a:fld id="{A7ACC9FF-BB4D-3644-BD4D-0BCBEFEAF27D}" type="datetimeFigureOut">
               <a:rPr lang="en-US" smtClean="0"/>
-              <a:t>12/17/24</a:t>
+              <a:t>1/9/25</a:t>
             </a:fld>
             <a:endParaRPr lang="en-US"/>
           </a:p>
@@ -1002,7 +1007,7 @@
           <a:p>
             <a:fld id="{A7ACC9FF-BB4D-3644-BD4D-0BCBEFEAF27D}" type="datetimeFigureOut">
               <a:rPr lang="en-US" smtClean="0"/>
-              <a:t>12/17/24</a:t>
+              <a:t>1/9/25</a:t>
             </a:fld>
             <a:endParaRPr lang="en-US"/>
           </a:p>
@@ -1234,7 +1239,7 @@
           <a:p>
             <a:fld id="{A7ACC9FF-BB4D-3644-BD4D-0BCBEFEAF27D}" type="datetimeFigureOut">
               <a:rPr lang="en-US" smtClean="0"/>
-              <a:t>12/17/24</a:t>
+              <a:t>1/9/25</a:t>
             </a:fld>
             <a:endParaRPr lang="en-US"/>
           </a:p>
@@ -1601,7 +1606,7 @@
           <a:p>
             <a:fld id="{A7ACC9FF-BB4D-3644-BD4D-0BCBEFEAF27D}" type="datetimeFigureOut">
               <a:rPr lang="en-US" smtClean="0"/>
-              <a:t>12/17/24</a:t>
+              <a:t>1/9/25</a:t>
             </a:fld>
             <a:endParaRPr lang="en-US"/>
           </a:p>
@@ -1719,7 +1724,7 @@
           <a:p>
             <a:fld id="{A7ACC9FF-BB4D-3644-BD4D-0BCBEFEAF27D}" type="datetimeFigureOut">
               <a:rPr lang="en-US" smtClean="0"/>
-              <a:t>12/17/24</a:t>
+              <a:t>1/9/25</a:t>
             </a:fld>
             <a:endParaRPr lang="en-US"/>
           </a:p>
@@ -1814,7 +1819,7 @@
           <a:p>
             <a:fld id="{A7ACC9FF-BB4D-3644-BD4D-0BCBEFEAF27D}" type="datetimeFigureOut">
               <a:rPr lang="en-US" smtClean="0"/>
-              <a:t>12/17/24</a:t>
+              <a:t>1/9/25</a:t>
             </a:fld>
             <a:endParaRPr lang="en-US"/>
           </a:p>
@@ -2091,7 +2096,7 @@
           <a:p>
             <a:fld id="{A7ACC9FF-BB4D-3644-BD4D-0BCBEFEAF27D}" type="datetimeFigureOut">
               <a:rPr lang="en-US" smtClean="0"/>
-              <a:t>12/17/24</a:t>
+              <a:t>1/9/25</a:t>
             </a:fld>
             <a:endParaRPr lang="en-US"/>
           </a:p>
@@ -2348,7 +2353,7 @@
           <a:p>
             <a:fld id="{A7ACC9FF-BB4D-3644-BD4D-0BCBEFEAF27D}" type="datetimeFigureOut">
               <a:rPr lang="en-US" smtClean="0"/>
-              <a:t>12/17/24</a:t>
+              <a:t>1/9/25</a:t>
             </a:fld>
             <a:endParaRPr lang="en-US"/>
           </a:p>
@@ -2561,7 +2566,7 @@
           <a:p>
             <a:fld id="{A7ACC9FF-BB4D-3644-BD4D-0BCBEFEAF27D}" type="datetimeFigureOut">
               <a:rPr lang="en-US" smtClean="0"/>
-              <a:t>12/17/24</a:t>
+              <a:t>1/9/25</a:t>
             </a:fld>
             <a:endParaRPr lang="en-US"/>
           </a:p>
@@ -2968,10 +2973,179 @@
       </p:grpSpPr>
       <p:pic>
         <p:nvPicPr>
-          <p:cNvPr id="55" name="Picture 54">
+          <p:cNvPr id="11" name="Picture 10">
             <a:extLst>
               <a:ext uri="{FF2B5EF4-FFF2-40B4-BE49-F238E27FC236}">
-                <a16:creationId xmlns:a16="http://schemas.microsoft.com/office/drawing/2014/main" id="{F0A4E586-DC72-4F64-907C-853A0215F2D6}"/>
+                <a16:creationId xmlns:a16="http://schemas.microsoft.com/office/drawing/2014/main" id="{F7155BB7-38BE-F908-FE36-C94F9884BB85}"/>
+              </a:ext>
+            </a:extLst>
+          </p:cNvPr>
+          <p:cNvPicPr>
+            <a:picLocks noChangeAspect="1"/>
+          </p:cNvPicPr>
+          <p:nvPr/>
+        </p:nvPicPr>
+        <p:blipFill rotWithShape="1">
+          <a:blip r:embed="rId2"/>
+          <a:srcRect r="27778"/>
+          <a:stretch/>
+        </p:blipFill>
+        <p:spPr>
+          <a:xfrm>
+            <a:off x="5490406" y="0"/>
+            <a:ext cx="4952973" cy="6858000"/>
+          </a:xfrm>
+          <a:prstGeom prst="rect">
+            <a:avLst/>
+          </a:prstGeom>
+        </p:spPr>
+      </p:pic>
+      <p:sp>
+        <p:nvSpPr>
+          <p:cNvPr id="56" name="TextBox 55">
+            <a:extLst>
+              <a:ext uri="{FF2B5EF4-FFF2-40B4-BE49-F238E27FC236}">
+                <a16:creationId xmlns:a16="http://schemas.microsoft.com/office/drawing/2014/main" id="{E1A20BD0-0A31-63DE-B3EB-2D34A3477F05}"/>
+              </a:ext>
+            </a:extLst>
+          </p:cNvPr>
+          <p:cNvSpPr txBox="1"/>
+          <p:nvPr/>
+        </p:nvSpPr>
+        <p:spPr>
+          <a:xfrm>
+            <a:off x="244336" y="0"/>
+            <a:ext cx="490330" cy="369332"/>
+          </a:xfrm>
+          <a:prstGeom prst="rect">
+            <a:avLst/>
+          </a:prstGeom>
+          <a:noFill/>
+        </p:spPr>
+        <p:txBody>
+          <a:bodyPr wrap="square" rtlCol="0">
+            <a:spAutoFit/>
+          </a:bodyPr>
+          <a:lstStyle/>
+          <a:p>
+            <a:r>
+              <a:rPr lang="en-US" b="1" dirty="0"/>
+              <a:t>A.</a:t>
+            </a:r>
+          </a:p>
+        </p:txBody>
+      </p:sp>
+      <p:sp>
+        <p:nvSpPr>
+          <p:cNvPr id="57" name="TextBox 56">
+            <a:extLst>
+              <a:ext uri="{FF2B5EF4-FFF2-40B4-BE49-F238E27FC236}">
+                <a16:creationId xmlns:a16="http://schemas.microsoft.com/office/drawing/2014/main" id="{C6F6E1B7-532B-092F-7D49-64FE17040992}"/>
+              </a:ext>
+            </a:extLst>
+          </p:cNvPr>
+          <p:cNvSpPr txBox="1"/>
+          <p:nvPr/>
+        </p:nvSpPr>
+        <p:spPr>
+          <a:xfrm>
+            <a:off x="2851701" y="0"/>
+            <a:ext cx="490330" cy="369332"/>
+          </a:xfrm>
+          <a:prstGeom prst="rect">
+            <a:avLst/>
+          </a:prstGeom>
+          <a:noFill/>
+        </p:spPr>
+        <p:txBody>
+          <a:bodyPr wrap="square" rtlCol="0">
+            <a:spAutoFit/>
+          </a:bodyPr>
+          <a:lstStyle/>
+          <a:p>
+            <a:r>
+              <a:rPr lang="en-US" b="1" dirty="0"/>
+              <a:t>B.</a:t>
+            </a:r>
+          </a:p>
+        </p:txBody>
+      </p:sp>
+      <p:sp>
+        <p:nvSpPr>
+          <p:cNvPr id="58" name="TextBox 57">
+            <a:extLst>
+              <a:ext uri="{FF2B5EF4-FFF2-40B4-BE49-F238E27FC236}">
+                <a16:creationId xmlns:a16="http://schemas.microsoft.com/office/drawing/2014/main" id="{35E4824E-5543-C90A-821C-F18A50E0C458}"/>
+              </a:ext>
+            </a:extLst>
+          </p:cNvPr>
+          <p:cNvSpPr txBox="1"/>
+          <p:nvPr/>
+        </p:nvSpPr>
+        <p:spPr>
+          <a:xfrm>
+            <a:off x="5355497" y="0"/>
+            <a:ext cx="490330" cy="369332"/>
+          </a:xfrm>
+          <a:prstGeom prst="rect">
+            <a:avLst/>
+          </a:prstGeom>
+          <a:noFill/>
+        </p:spPr>
+        <p:txBody>
+          <a:bodyPr wrap="square" rtlCol="0">
+            <a:spAutoFit/>
+          </a:bodyPr>
+          <a:lstStyle/>
+          <a:p>
+            <a:r>
+              <a:rPr lang="en-US" b="1" dirty="0"/>
+              <a:t>C.</a:t>
+            </a:r>
+          </a:p>
+        </p:txBody>
+      </p:sp>
+      <p:sp>
+        <p:nvSpPr>
+          <p:cNvPr id="59" name="TextBox 58">
+            <a:extLst>
+              <a:ext uri="{FF2B5EF4-FFF2-40B4-BE49-F238E27FC236}">
+                <a16:creationId xmlns:a16="http://schemas.microsoft.com/office/drawing/2014/main" id="{A01E4099-0384-4F74-8906-9B50FC8FEB81}"/>
+              </a:ext>
+            </a:extLst>
+          </p:cNvPr>
+          <p:cNvSpPr txBox="1"/>
+          <p:nvPr/>
+        </p:nvSpPr>
+        <p:spPr>
+          <a:xfrm>
+            <a:off x="244336" y="2126183"/>
+            <a:ext cx="490330" cy="369332"/>
+          </a:xfrm>
+          <a:prstGeom prst="rect">
+            <a:avLst/>
+          </a:prstGeom>
+          <a:noFill/>
+        </p:spPr>
+        <p:txBody>
+          <a:bodyPr wrap="square" rtlCol="0">
+            <a:spAutoFit/>
+          </a:bodyPr>
+          <a:lstStyle/>
+          <a:p>
+            <a:r>
+              <a:rPr lang="en-US" b="1" dirty="0"/>
+              <a:t>D.</a:t>
+            </a:r>
+          </a:p>
+        </p:txBody>
+      </p:sp>
+      <p:pic>
+        <p:nvPicPr>
+          <p:cNvPr id="3" name="Picture 2">
+            <a:extLst>
+              <a:ext uri="{FF2B5EF4-FFF2-40B4-BE49-F238E27FC236}">
+                <a16:creationId xmlns:a16="http://schemas.microsoft.com/office/drawing/2014/main" id="{EFEC4E39-26BE-079F-37F8-A015450FCAEF}"/>
               </a:ext>
             </a:extLst>
           </p:cNvPr>
@@ -2981,15 +3155,15 @@
           <p:nvPr/>
         </p:nvPicPr>
         <p:blipFill>
-          <a:blip r:embed="rId2"/>
+          <a:blip r:embed="rId3"/>
           <a:stretch>
             <a:fillRect/>
           </a:stretch>
         </p:blipFill>
         <p:spPr>
           <a:xfrm>
-            <a:off x="326335" y="2166731"/>
-            <a:ext cx="2410240" cy="2410240"/>
+            <a:off x="703163" y="85429"/>
+            <a:ext cx="2168389" cy="2168389"/>
           </a:xfrm>
           <a:prstGeom prst="rect">
             <a:avLst/>
@@ -2998,39 +3172,10 @@
       </p:pic>
       <p:pic>
         <p:nvPicPr>
-          <p:cNvPr id="29" name="Picture 28">
+          <p:cNvPr id="5" name="Picture 4">
             <a:extLst>
               <a:ext uri="{FF2B5EF4-FFF2-40B4-BE49-F238E27FC236}">
-                <a16:creationId xmlns:a16="http://schemas.microsoft.com/office/drawing/2014/main" id="{0B78C90E-09F5-1B77-EEE0-5DAF80E13ECB}"/>
-              </a:ext>
-            </a:extLst>
-          </p:cNvPr>
-          <p:cNvPicPr>
-            <a:picLocks noChangeAspect="1"/>
-          </p:cNvPicPr>
-          <p:nvPr/>
-        </p:nvPicPr>
-        <p:blipFill rotWithShape="1">
-          <a:blip r:embed="rId3"/>
-          <a:srcRect r="27585"/>
-          <a:stretch/>
-        </p:blipFill>
-        <p:spPr>
-          <a:xfrm>
-            <a:off x="5219700" y="0"/>
-            <a:ext cx="4966252" cy="6858000"/>
-          </a:xfrm>
-          <a:prstGeom prst="rect">
-            <a:avLst/>
-          </a:prstGeom>
-        </p:spPr>
-      </p:pic>
-      <p:pic>
-        <p:nvPicPr>
-          <p:cNvPr id="33" name="Picture 32">
-            <a:extLst>
-              <a:ext uri="{FF2B5EF4-FFF2-40B4-BE49-F238E27FC236}">
-                <a16:creationId xmlns:a16="http://schemas.microsoft.com/office/drawing/2014/main" id="{EF1C601A-183B-F438-88EE-17C124C70E01}"/>
+                <a16:creationId xmlns:a16="http://schemas.microsoft.com/office/drawing/2014/main" id="{1E03DD69-869D-E4B2-C834-FD91ADDE95DE}"/>
               </a:ext>
             </a:extLst>
           </p:cNvPr>
@@ -3047,8 +3192,8 @@
         </p:blipFill>
         <p:spPr>
           <a:xfrm>
-            <a:off x="2933699" y="0"/>
-            <a:ext cx="2286000" cy="6858000"/>
+            <a:off x="3156830" y="44727"/>
+            <a:ext cx="2266122" cy="2266122"/>
           </a:xfrm>
           <a:prstGeom prst="rect">
             <a:avLst/>
@@ -3057,40 +3202,10 @@
       </p:pic>
       <p:pic>
         <p:nvPicPr>
-          <p:cNvPr id="43" name="Picture 42">
+          <p:cNvPr id="7" name="Picture 6">
             <a:extLst>
               <a:ext uri="{FF2B5EF4-FFF2-40B4-BE49-F238E27FC236}">
-                <a16:creationId xmlns:a16="http://schemas.microsoft.com/office/drawing/2014/main" id="{B7D11DA0-AEC6-FB60-D906-C64CBC486139}"/>
-              </a:ext>
-            </a:extLst>
-          </p:cNvPr>
-          <p:cNvPicPr>
-            <a:picLocks noChangeAspect="1"/>
-          </p:cNvPicPr>
-          <p:nvPr/>
-        </p:nvPicPr>
-        <p:blipFill>
-          <a:blip r:embed="rId5"/>
-          <a:stretch>
-            <a:fillRect/>
-          </a:stretch>
-        </p:blipFill>
-        <p:spPr>
-          <a:xfrm>
-            <a:off x="588065" y="2"/>
-            <a:ext cx="2345635" cy="2345635"/>
-          </a:xfrm>
-          <a:prstGeom prst="rect">
-            <a:avLst/>
-          </a:prstGeom>
-        </p:spPr>
-      </p:pic>
-      <p:pic>
-        <p:nvPicPr>
-          <p:cNvPr id="15" name="Picture 14">
-            <a:extLst>
-              <a:ext uri="{FF2B5EF4-FFF2-40B4-BE49-F238E27FC236}">
-                <a16:creationId xmlns:a16="http://schemas.microsoft.com/office/drawing/2014/main" id="{F4A0B8E9-9E97-5D4A-9709-AF5117922162}"/>
+                <a16:creationId xmlns:a16="http://schemas.microsoft.com/office/drawing/2014/main" id="{B0D38588-E147-8BF3-3A56-17741E545B12}"/>
               </a:ext>
             </a:extLst>
           </p:cNvPr>
@@ -3100,195 +3215,20 @@
           <p:nvPr/>
         </p:nvPicPr>
         <p:blipFill rotWithShape="1">
-          <a:blip r:embed="rId6"/>
-          <a:srcRect t="8872" b="9113"/>
+          <a:blip r:embed="rId5"/>
+          <a:srcRect l="3637" t="4756" r="2942" b="5562"/>
           <a:stretch/>
         </p:blipFill>
         <p:spPr>
           <a:xfrm>
-            <a:off x="326336" y="4512366"/>
-            <a:ext cx="2763075" cy="2266122"/>
+            <a:off x="734665" y="2425147"/>
+            <a:ext cx="4564297" cy="4381600"/>
           </a:xfrm>
           <a:prstGeom prst="rect">
             <a:avLst/>
           </a:prstGeom>
         </p:spPr>
       </p:pic>
-      <p:sp>
-        <p:nvSpPr>
-          <p:cNvPr id="56" name="TextBox 55">
-            <a:extLst>
-              <a:ext uri="{FF2B5EF4-FFF2-40B4-BE49-F238E27FC236}">
-                <a16:creationId xmlns:a16="http://schemas.microsoft.com/office/drawing/2014/main" id="{E1A20BD0-0A31-63DE-B3EB-2D34A3477F05}"/>
-              </a:ext>
-            </a:extLst>
-          </p:cNvPr>
-          <p:cNvSpPr txBox="1"/>
-          <p:nvPr/>
-        </p:nvSpPr>
-        <p:spPr>
-          <a:xfrm>
-            <a:off x="244336" y="0"/>
-            <a:ext cx="490330" cy="369332"/>
-          </a:xfrm>
-          <a:prstGeom prst="rect">
-            <a:avLst/>
-          </a:prstGeom>
-          <a:noFill/>
-        </p:spPr>
-        <p:txBody>
-          <a:bodyPr wrap="square" rtlCol="0">
-            <a:spAutoFit/>
-          </a:bodyPr>
-          <a:lstStyle/>
-          <a:p>
-            <a:r>
-              <a:rPr lang="en-US" b="1" dirty="0"/>
-              <a:t>A.</a:t>
-            </a:r>
-          </a:p>
-        </p:txBody>
-      </p:sp>
-      <p:sp>
-        <p:nvSpPr>
-          <p:cNvPr id="57" name="TextBox 56">
-            <a:extLst>
-              <a:ext uri="{FF2B5EF4-FFF2-40B4-BE49-F238E27FC236}">
-                <a16:creationId xmlns:a16="http://schemas.microsoft.com/office/drawing/2014/main" id="{C6F6E1B7-532B-092F-7D49-64FE17040992}"/>
-              </a:ext>
-            </a:extLst>
-          </p:cNvPr>
-          <p:cNvSpPr txBox="1"/>
-          <p:nvPr/>
-        </p:nvSpPr>
-        <p:spPr>
-          <a:xfrm>
-            <a:off x="2851701" y="0"/>
-            <a:ext cx="490330" cy="369332"/>
-          </a:xfrm>
-          <a:prstGeom prst="rect">
-            <a:avLst/>
-          </a:prstGeom>
-          <a:noFill/>
-        </p:spPr>
-        <p:txBody>
-          <a:bodyPr wrap="square" rtlCol="0">
-            <a:spAutoFit/>
-          </a:bodyPr>
-          <a:lstStyle/>
-          <a:p>
-            <a:r>
-              <a:rPr lang="en-US" b="1" dirty="0"/>
-              <a:t>B.</a:t>
-            </a:r>
-          </a:p>
-        </p:txBody>
-      </p:sp>
-      <p:sp>
-        <p:nvSpPr>
-          <p:cNvPr id="58" name="TextBox 57">
-            <a:extLst>
-              <a:ext uri="{FF2B5EF4-FFF2-40B4-BE49-F238E27FC236}">
-                <a16:creationId xmlns:a16="http://schemas.microsoft.com/office/drawing/2014/main" id="{35E4824E-5543-C90A-821C-F18A50E0C458}"/>
-              </a:ext>
-            </a:extLst>
-          </p:cNvPr>
-          <p:cNvSpPr txBox="1"/>
-          <p:nvPr/>
-        </p:nvSpPr>
-        <p:spPr>
-          <a:xfrm>
-            <a:off x="5219699" y="0"/>
-            <a:ext cx="490330" cy="369332"/>
-          </a:xfrm>
-          <a:prstGeom prst="rect">
-            <a:avLst/>
-          </a:prstGeom>
-          <a:noFill/>
-        </p:spPr>
-        <p:txBody>
-          <a:bodyPr wrap="square" rtlCol="0">
-            <a:spAutoFit/>
-          </a:bodyPr>
-          <a:lstStyle/>
-          <a:p>
-            <a:r>
-              <a:rPr lang="en-US" b="1" dirty="0"/>
-              <a:t>C.</a:t>
-            </a:r>
-          </a:p>
-        </p:txBody>
-      </p:sp>
-      <p:sp>
-        <p:nvSpPr>
-          <p:cNvPr id="59" name="TextBox 58">
-            <a:extLst>
-              <a:ext uri="{FF2B5EF4-FFF2-40B4-BE49-F238E27FC236}">
-                <a16:creationId xmlns:a16="http://schemas.microsoft.com/office/drawing/2014/main" id="{A01E4099-0384-4F74-8906-9B50FC8FEB81}"/>
-              </a:ext>
-            </a:extLst>
-          </p:cNvPr>
-          <p:cNvSpPr txBox="1"/>
-          <p:nvPr/>
-        </p:nvSpPr>
-        <p:spPr>
-          <a:xfrm>
-            <a:off x="244336" y="2126183"/>
-            <a:ext cx="490330" cy="369332"/>
-          </a:xfrm>
-          <a:prstGeom prst="rect">
-            <a:avLst/>
-          </a:prstGeom>
-          <a:noFill/>
-        </p:spPr>
-        <p:txBody>
-          <a:bodyPr wrap="square" rtlCol="0">
-            <a:spAutoFit/>
-          </a:bodyPr>
-          <a:lstStyle/>
-          <a:p>
-            <a:r>
-              <a:rPr lang="en-US" b="1" dirty="0"/>
-              <a:t>D.</a:t>
-            </a:r>
-          </a:p>
-        </p:txBody>
-      </p:sp>
-      <p:sp>
-        <p:nvSpPr>
-          <p:cNvPr id="60" name="TextBox 59">
-            <a:extLst>
-              <a:ext uri="{FF2B5EF4-FFF2-40B4-BE49-F238E27FC236}">
-                <a16:creationId xmlns:a16="http://schemas.microsoft.com/office/drawing/2014/main" id="{FECC3710-636D-CA77-86E6-924DADC95183}"/>
-              </a:ext>
-            </a:extLst>
-          </p:cNvPr>
-          <p:cNvSpPr txBox="1"/>
-          <p:nvPr/>
-        </p:nvSpPr>
-        <p:spPr>
-          <a:xfrm>
-            <a:off x="244336" y="4432853"/>
-            <a:ext cx="490330" cy="369332"/>
-          </a:xfrm>
-          <a:prstGeom prst="rect">
-            <a:avLst/>
-          </a:prstGeom>
-          <a:noFill/>
-        </p:spPr>
-        <p:txBody>
-          <a:bodyPr wrap="square" rtlCol="0">
-            <a:spAutoFit/>
-          </a:bodyPr>
-          <a:lstStyle/>
-          <a:p>
-            <a:r>
-              <a:rPr lang="en-US" b="1" dirty="0"/>
-              <a:t>E.</a:t>
-            </a:r>
-          </a:p>
-        </p:txBody>
-      </p:sp>
     </p:spTree>
     <p:extLst>
       <p:ext uri="{BB962C8B-B14F-4D97-AF65-F5344CB8AC3E}">

--- a/results/Figure 2.pptx
+++ b/results/Figure 2.pptx
@@ -243,7 +243,7 @@
           <a:p>
             <a:fld id="{A7ACC9FF-BB4D-3644-BD4D-0BCBEFEAF27D}" type="datetimeFigureOut">
               <a:rPr lang="en-US" smtClean="0"/>
-              <a:t>1/9/25</a:t>
+              <a:t>2/20/25</a:t>
             </a:fld>
             <a:endParaRPr lang="en-US"/>
           </a:p>
@@ -413,7 +413,7 @@
           <a:p>
             <a:fld id="{A7ACC9FF-BB4D-3644-BD4D-0BCBEFEAF27D}" type="datetimeFigureOut">
               <a:rPr lang="en-US" smtClean="0"/>
-              <a:t>1/9/25</a:t>
+              <a:t>2/20/25</a:t>
             </a:fld>
             <a:endParaRPr lang="en-US"/>
           </a:p>
@@ -593,7 +593,7 @@
           <a:p>
             <a:fld id="{A7ACC9FF-BB4D-3644-BD4D-0BCBEFEAF27D}" type="datetimeFigureOut">
               <a:rPr lang="en-US" smtClean="0"/>
-              <a:t>1/9/25</a:t>
+              <a:t>2/20/25</a:t>
             </a:fld>
             <a:endParaRPr lang="en-US"/>
           </a:p>
@@ -763,7 +763,7 @@
           <a:p>
             <a:fld id="{A7ACC9FF-BB4D-3644-BD4D-0BCBEFEAF27D}" type="datetimeFigureOut">
               <a:rPr lang="en-US" smtClean="0"/>
-              <a:t>1/9/25</a:t>
+              <a:t>2/20/25</a:t>
             </a:fld>
             <a:endParaRPr lang="en-US"/>
           </a:p>
@@ -1007,7 +1007,7 @@
           <a:p>
             <a:fld id="{A7ACC9FF-BB4D-3644-BD4D-0BCBEFEAF27D}" type="datetimeFigureOut">
               <a:rPr lang="en-US" smtClean="0"/>
-              <a:t>1/9/25</a:t>
+              <a:t>2/20/25</a:t>
             </a:fld>
             <a:endParaRPr lang="en-US"/>
           </a:p>
@@ -1239,7 +1239,7 @@
           <a:p>
             <a:fld id="{A7ACC9FF-BB4D-3644-BD4D-0BCBEFEAF27D}" type="datetimeFigureOut">
               <a:rPr lang="en-US" smtClean="0"/>
-              <a:t>1/9/25</a:t>
+              <a:t>2/20/25</a:t>
             </a:fld>
             <a:endParaRPr lang="en-US"/>
           </a:p>
@@ -1606,7 +1606,7 @@
           <a:p>
             <a:fld id="{A7ACC9FF-BB4D-3644-BD4D-0BCBEFEAF27D}" type="datetimeFigureOut">
               <a:rPr lang="en-US" smtClean="0"/>
-              <a:t>1/9/25</a:t>
+              <a:t>2/20/25</a:t>
             </a:fld>
             <a:endParaRPr lang="en-US"/>
           </a:p>
@@ -1724,7 +1724,7 @@
           <a:p>
             <a:fld id="{A7ACC9FF-BB4D-3644-BD4D-0BCBEFEAF27D}" type="datetimeFigureOut">
               <a:rPr lang="en-US" smtClean="0"/>
-              <a:t>1/9/25</a:t>
+              <a:t>2/20/25</a:t>
             </a:fld>
             <a:endParaRPr lang="en-US"/>
           </a:p>
@@ -1819,7 +1819,7 @@
           <a:p>
             <a:fld id="{A7ACC9FF-BB4D-3644-BD4D-0BCBEFEAF27D}" type="datetimeFigureOut">
               <a:rPr lang="en-US" smtClean="0"/>
-              <a:t>1/9/25</a:t>
+              <a:t>2/20/25</a:t>
             </a:fld>
             <a:endParaRPr lang="en-US"/>
           </a:p>
@@ -2096,7 +2096,7 @@
           <a:p>
             <a:fld id="{A7ACC9FF-BB4D-3644-BD4D-0BCBEFEAF27D}" type="datetimeFigureOut">
               <a:rPr lang="en-US" smtClean="0"/>
-              <a:t>1/9/25</a:t>
+              <a:t>2/20/25</a:t>
             </a:fld>
             <a:endParaRPr lang="en-US"/>
           </a:p>
@@ -2353,7 +2353,7 @@
           <a:p>
             <a:fld id="{A7ACC9FF-BB4D-3644-BD4D-0BCBEFEAF27D}" type="datetimeFigureOut">
               <a:rPr lang="en-US" smtClean="0"/>
-              <a:t>1/9/25</a:t>
+              <a:t>2/20/25</a:t>
             </a:fld>
             <a:endParaRPr lang="en-US"/>
           </a:p>
@@ -2566,7 +2566,7 @@
           <a:p>
             <a:fld id="{A7ACC9FF-BB4D-3644-BD4D-0BCBEFEAF27D}" type="datetimeFigureOut">
               <a:rPr lang="en-US" smtClean="0"/>
-              <a:t>1/9/25</a:t>
+              <a:t>2/20/25</a:t>
             </a:fld>
             <a:endParaRPr lang="en-US"/>
           </a:p>
@@ -2973,10 +2973,10 @@
       </p:grpSpPr>
       <p:pic>
         <p:nvPicPr>
-          <p:cNvPr id="11" name="Picture 10">
+          <p:cNvPr id="8" name="Picture 7">
             <a:extLst>
               <a:ext uri="{FF2B5EF4-FFF2-40B4-BE49-F238E27FC236}">
-                <a16:creationId xmlns:a16="http://schemas.microsoft.com/office/drawing/2014/main" id="{F7155BB7-38BE-F908-FE36-C94F9884BB85}"/>
+                <a16:creationId xmlns:a16="http://schemas.microsoft.com/office/drawing/2014/main" id="{D77F8E15-4EF3-E989-8C50-4A371EC9ED16}"/>
               </a:ext>
             </a:extLst>
           </p:cNvPr>
@@ -2985,15 +2985,16 @@
           </p:cNvPicPr>
           <p:nvPr/>
         </p:nvPicPr>
-        <p:blipFill rotWithShape="1">
+        <p:blipFill>
           <a:blip r:embed="rId2"/>
-          <a:srcRect r="27778"/>
-          <a:stretch/>
+          <a:stretch>
+            <a:fillRect/>
+          </a:stretch>
         </p:blipFill>
         <p:spPr>
           <a:xfrm>
-            <a:off x="5490406" y="0"/>
-            <a:ext cx="4952973" cy="6858000"/>
+            <a:off x="4488073" y="70079"/>
+            <a:ext cx="5951327" cy="6801517"/>
           </a:xfrm>
           <a:prstGeom prst="rect">
             <a:avLst/>
@@ -3014,7 +3015,7 @@
         </p:nvSpPr>
         <p:spPr>
           <a:xfrm>
-            <a:off x="244336" y="0"/>
+            <a:off x="41084" y="0"/>
             <a:ext cx="490330" cy="369332"/>
           </a:xfrm>
           <a:prstGeom prst="rect">
@@ -3049,7 +3050,7 @@
         </p:nvSpPr>
         <p:spPr>
           <a:xfrm>
-            <a:off x="2851701" y="0"/>
+            <a:off x="2648449" y="0"/>
             <a:ext cx="490330" cy="369332"/>
           </a:xfrm>
           <a:prstGeom prst="rect">
@@ -3119,7 +3120,7 @@
         </p:nvSpPr>
         <p:spPr>
           <a:xfrm>
-            <a:off x="244336" y="2126183"/>
+            <a:off x="41084" y="2126183"/>
             <a:ext cx="490330" cy="369332"/>
           </a:xfrm>
           <a:prstGeom prst="rect">
@@ -3162,7 +3163,7 @@
         </p:blipFill>
         <p:spPr>
           <a:xfrm>
-            <a:off x="703163" y="85429"/>
+            <a:off x="499911" y="85429"/>
             <a:ext cx="2168389" cy="2168389"/>
           </a:xfrm>
           <a:prstGeom prst="rect">
@@ -3192,7 +3193,7 @@
         </p:blipFill>
         <p:spPr>
           <a:xfrm>
-            <a:off x="3156830" y="44727"/>
+            <a:off x="2953578" y="44727"/>
             <a:ext cx="2266122" cy="2266122"/>
           </a:xfrm>
           <a:prstGeom prst="rect">
@@ -3221,7 +3222,7 @@
         </p:blipFill>
         <p:spPr>
           <a:xfrm>
-            <a:off x="734665" y="2425147"/>
+            <a:off x="132236" y="2432982"/>
             <a:ext cx="4564297" cy="4381600"/>
           </a:xfrm>
           <a:prstGeom prst="rect">
